--- a/e-pl-hello/doc/E-Plugin.pptx
+++ b/e-pl-hello/doc/E-Plugin.pptx
@@ -6112,11 +6112,6 @@
               </a:rPr>
               <a:t>   &lt;/extension&gt;</a:t>
             </a:r>
-            <a:endParaRPr lang="en-US" dirty="0">
-              <a:solidFill>
-                <a:srgbClr val="92D050"/>
-              </a:solidFill>
-            </a:endParaRPr>
           </a:p>
         </p:txBody>
       </p:sp>
@@ -8848,11 +8843,6 @@
               </a:rPr>
               <a:t>      &lt;/handler&gt;</a:t>
             </a:r>
-            <a:endParaRPr lang="en-US" dirty="0">
-              <a:solidFill>
-                <a:srgbClr val="92D050"/>
-              </a:solidFill>
-            </a:endParaRPr>
           </a:p>
         </p:txBody>
       </p:sp>
@@ -12743,7 +12733,7 @@
               <a:t>&lt;extension point="</a:t>
             </a:r>
             <a:r>
-              <a:rPr lang="en-US" dirty="0" err="1">
+              <a:rPr lang="en-US" dirty="0" err="1" smtClean="0">
                 <a:solidFill>
                   <a:srgbClr val="92D050"/>
                 </a:solidFill>
@@ -12751,13 +12741,18 @@
               <a:t>org.eclipse.ui.preferencePages</a:t>
             </a:r>
             <a:r>
-              <a:rPr lang="en-US" dirty="0">
+              <a:rPr lang="en-US" smtClean="0">
                 <a:solidFill>
                   <a:srgbClr val="92D050"/>
                 </a:solidFill>
               </a:rPr>
-              <a:t>"&gt;</a:t>
-            </a:r>
+              <a:t>“ &gt;</a:t>
+            </a:r>
+            <a:endParaRPr lang="en-US" dirty="0">
+              <a:solidFill>
+                <a:srgbClr val="92D050"/>
+              </a:solidFill>
+            </a:endParaRPr>
           </a:p>
           <a:p>
             <a:r>
